--- a/Week-03/Demo2.pptx
+++ b/Week-03/Demo2.pptx
@@ -200,7 +200,7 @@
           <a:p>
             <a:fld id="{8BE64501-107B-4BBD-9695-5A7A26683B91}" type="datetimeFigureOut">
               <a:rPr lang="hu-HU" smtClean="0"/>
-              <a:t>2019. 01. 31.</a:t>
+              <a:t>2019. 02. 01.</a:t>
             </a:fld>
             <a:endParaRPr lang="hu-HU"/>
           </a:p>
@@ -1983,11 +1983,7 @@
             </a:r>
             <a:r>
               <a:rPr lang="hu-HU" baseline="0" dirty="0" smtClean="0"/>
-              <a:t>.</a:t>
-            </a:r>
-            <a:r>
-              <a:rPr lang="hu-HU" baseline="0" dirty="0" smtClean="0"/>
-              <a:t> I </a:t>
+              <a:t>. I </a:t>
             </a:r>
             <a:r>
               <a:rPr lang="hu-HU" baseline="0" dirty="0" err="1" smtClean="0"/>
@@ -2115,11 +2111,7 @@
             </a:r>
             <a:r>
               <a:rPr lang="hu-HU" baseline="0" dirty="0" smtClean="0"/>
-              <a:t>.</a:t>
-            </a:r>
-            <a:r>
-              <a:rPr lang="hu-HU" baseline="0" dirty="0" smtClean="0"/>
-              <a:t> </a:t>
+              <a:t>. </a:t>
             </a:r>
             <a:r>
               <a:rPr lang="hu-HU" baseline="0" dirty="0" err="1" smtClean="0"/>
@@ -2649,7 +2641,7 @@
           <a:p>
             <a:fld id="{5C668260-7523-45E2-AC4C-E5F271811912}" type="datetimeFigureOut">
               <a:rPr lang="hu-HU" smtClean="0"/>
-              <a:t>2019. 01. 31.</a:t>
+              <a:t>2019. 02. 01.</a:t>
             </a:fld>
             <a:endParaRPr lang="hu-HU"/>
           </a:p>
@@ -2984,7 +2976,7 @@
           <a:p>
             <a:fld id="{5C668260-7523-45E2-AC4C-E5F271811912}" type="datetimeFigureOut">
               <a:rPr lang="hu-HU" smtClean="0"/>
-              <a:t>2019. 01. 31.</a:t>
+              <a:t>2019. 02. 01.</a:t>
             </a:fld>
             <a:endParaRPr lang="hu-HU"/>
           </a:p>
@@ -3287,7 +3279,7 @@
           <a:p>
             <a:fld id="{5C668260-7523-45E2-AC4C-E5F271811912}" type="datetimeFigureOut">
               <a:rPr lang="hu-HU" smtClean="0"/>
-              <a:t>2019. 01. 31.</a:t>
+              <a:t>2019. 02. 01.</a:t>
             </a:fld>
             <a:endParaRPr lang="hu-HU"/>
           </a:p>
@@ -3535,7 +3527,7 @@
           <a:p>
             <a:fld id="{5C668260-7523-45E2-AC4C-E5F271811912}" type="datetimeFigureOut">
               <a:rPr lang="hu-HU" smtClean="0"/>
-              <a:t>2019. 01. 31.</a:t>
+              <a:t>2019. 02. 01.</a:t>
             </a:fld>
             <a:endParaRPr lang="hu-HU"/>
           </a:p>
@@ -3943,7 +3935,7 @@
           <a:p>
             <a:fld id="{5C668260-7523-45E2-AC4C-E5F271811912}" type="datetimeFigureOut">
               <a:rPr lang="hu-HU" smtClean="0"/>
-              <a:t>2019. 01. 31.</a:t>
+              <a:t>2019. 02. 01.</a:t>
             </a:fld>
             <a:endParaRPr lang="hu-HU"/>
           </a:p>
@@ -4258,7 +4250,7 @@
           <a:p>
             <a:fld id="{5C668260-7523-45E2-AC4C-E5F271811912}" type="datetimeFigureOut">
               <a:rPr lang="hu-HU" smtClean="0"/>
-              <a:t>2019. 01. 31.</a:t>
+              <a:t>2019. 02. 01.</a:t>
             </a:fld>
             <a:endParaRPr lang="hu-HU"/>
           </a:p>
@@ -4808,7 +4800,7 @@
           <a:p>
             <a:fld id="{5C668260-7523-45E2-AC4C-E5F271811912}" type="datetimeFigureOut">
               <a:rPr lang="hu-HU" smtClean="0"/>
-              <a:t>2019. 01. 31.</a:t>
+              <a:t>2019. 02. 01.</a:t>
             </a:fld>
             <a:endParaRPr lang="hu-HU"/>
           </a:p>
@@ -5009,7 +5001,7 @@
           <a:p>
             <a:fld id="{5C668260-7523-45E2-AC4C-E5F271811912}" type="datetimeFigureOut">
               <a:rPr lang="hu-HU" smtClean="0"/>
-              <a:t>2019. 01. 31.</a:t>
+              <a:t>2019. 02. 01.</a:t>
             </a:fld>
             <a:endParaRPr lang="hu-HU"/>
           </a:p>
@@ -5223,7 +5215,7 @@
           <a:p>
             <a:fld id="{5C668260-7523-45E2-AC4C-E5F271811912}" type="datetimeFigureOut">
               <a:rPr lang="hu-HU" smtClean="0"/>
-              <a:t>2019. 01. 31.</a:t>
+              <a:t>2019. 02. 01.</a:t>
             </a:fld>
             <a:endParaRPr lang="hu-HU"/>
           </a:p>
@@ -5593,7 +5585,7 @@
           <a:p>
             <a:fld id="{5C668260-7523-45E2-AC4C-E5F271811912}" type="datetimeFigureOut">
               <a:rPr lang="hu-HU" smtClean="0"/>
-              <a:t>2019. 01. 31.</a:t>
+              <a:t>2019. 02. 01.</a:t>
             </a:fld>
             <a:endParaRPr lang="hu-HU"/>
           </a:p>
@@ -6002,7 +5994,7 @@
           <a:p>
             <a:fld id="{5C668260-7523-45E2-AC4C-E5F271811912}" type="datetimeFigureOut">
               <a:rPr lang="hu-HU" smtClean="0"/>
-              <a:t>2019. 01. 31.</a:t>
+              <a:t>2019. 02. 01.</a:t>
             </a:fld>
             <a:endParaRPr lang="hu-HU"/>
           </a:p>
@@ -6341,7 +6333,7 @@
           <a:p>
             <a:fld id="{5C668260-7523-45E2-AC4C-E5F271811912}" type="datetimeFigureOut">
               <a:rPr lang="hu-HU" smtClean="0"/>
-              <a:t>2019. 01. 31.</a:t>
+              <a:t>2019. 02. 01.</a:t>
             </a:fld>
             <a:endParaRPr lang="hu-HU"/>
           </a:p>
@@ -7149,14 +7141,13 @@
               <a:t>		C# </a:t>
             </a:r>
             <a:r>
-              <a:rPr lang="hu-HU" sz="4000" dirty="0" err="1" smtClean="0"/>
-              <a:t>nad</a:t>
-            </a:r>
-            <a:r>
               <a:rPr lang="hu-HU" sz="4000" dirty="0" smtClean="0"/>
-              <a:t> SQL</a:t>
-            </a:r>
-            <a:endParaRPr lang="hu-HU" sz="4000" dirty="0" smtClean="0"/>
+              <a:t>and </a:t>
+            </a:r>
+            <a:r>
+              <a:rPr lang="hu-HU" sz="4000" dirty="0" smtClean="0"/>
+              <a:t>SQL</a:t>
+            </a:r>
           </a:p>
           <a:p>
             <a:pPr marL="571500" indent="-571500">
@@ -7218,13 +7209,8 @@
             </a:r>
             <a:r>
               <a:rPr lang="hu-HU" sz="4000" dirty="0" smtClean="0"/>
-              <a:t> and </a:t>
-            </a:r>
-            <a:r>
-              <a:rPr lang="hu-HU" sz="4000" dirty="0" smtClean="0"/>
-              <a:t>VBA</a:t>
-            </a:r>
-            <a:endParaRPr lang="hu-HU" sz="4000" dirty="0" smtClean="0"/>
+              <a:t> and VBA</a:t>
+            </a:r>
           </a:p>
           <a:p>
             <a:endParaRPr lang="hu-HU" sz="4000" dirty="0"/>
@@ -7451,7 +7437,7 @@
         </p:nvSpPr>
         <p:spPr>
           <a:xfrm>
-            <a:off x="713168" y="1015616"/>
+            <a:off x="713168" y="1032869"/>
             <a:ext cx="10948416" cy="3170099"/>
           </a:xfrm>
           <a:prstGeom prst="rect">
@@ -7471,7 +7457,7 @@
             </a:pPr>
             <a:r>
               <a:rPr lang="hu-HU" sz="4000" dirty="0" err="1" smtClean="0"/>
-              <a:t>Object</a:t>
+              <a:t>Alert</a:t>
             </a:r>
             <a:endParaRPr lang="hu-HU" sz="4000" dirty="0" smtClean="0"/>
           </a:p>
@@ -7481,10 +7467,10 @@
               <a:buChar char="•"/>
             </a:pPr>
             <a:r>
-              <a:rPr lang="hu-HU" sz="4000" dirty="0" err="1" smtClean="0"/>
+              <a:rPr lang="hu-HU" sz="4000" dirty="0" err="1"/>
               <a:t>Function</a:t>
             </a:r>
-            <a:endParaRPr lang="hu-HU" sz="4000" dirty="0" smtClean="0"/>
+            <a:endParaRPr lang="hu-HU" sz="4000" dirty="0"/>
           </a:p>
           <a:p>
             <a:pPr marL="571500" indent="-571500">
@@ -7492,8 +7478,8 @@
               <a:buChar char="•"/>
             </a:pPr>
             <a:r>
-              <a:rPr lang="hu-HU" sz="4000" dirty="0" err="1" smtClean="0"/>
-              <a:t>Class</a:t>
+              <a:rPr lang="hu-HU" sz="4000" smtClean="0"/>
+              <a:t>Object</a:t>
             </a:r>
             <a:endParaRPr lang="hu-HU" sz="4000" dirty="0" smtClean="0"/>
           </a:p>
@@ -7504,7 +7490,7 @@
             </a:pPr>
             <a:r>
               <a:rPr lang="hu-HU" sz="4000" dirty="0" err="1" smtClean="0"/>
-              <a:t>Alert</a:t>
+              <a:t>Class</a:t>
             </a:r>
             <a:endParaRPr lang="hu-HU" sz="4000" dirty="0" smtClean="0"/>
           </a:p>
